--- a/Защита.pptx
+++ b/Защита.pptx
@@ -862,7 +862,15 @@
             </a:r>
             <a:r>
               <a:rPr lang="ru-RU" dirty="0"/>
-              <a:t>. Как разрабатывалась модель и чем она так хороша мы увидим на следующих слайдах.</a:t>
+              <a:t> для </a:t>
+            </a:r>
+            <a:r>
+              <a:rPr lang="ru-RU" dirty="0" err="1"/>
+              <a:t>предскзаание</a:t>
+            </a:r>
+            <a:r>
+              <a:rPr lang="ru-RU" dirty="0"/>
+              <a:t> спроса на 2 месяца вперед. Как разрабатывалась модель и чем она так хороша мы увидим на следующих слайдах.</a:t>
             </a:r>
           </a:p>
         </p:txBody>
@@ -950,6 +958,22 @@
             <a:r>
               <a:rPr lang="ru-RU" dirty="0"/>
               <a:t>Предварительная работа с данными выявила необходимость добавления внешней информации в силу отсутствия каких-либо корреляций. Большое внимание ввиду нынешней обстановке уделялось данным по коронавирусу, которые составляют не более 3% от общего набора. Для точного предсказания добавлена информация по заражаемости, населению и расположению субъектов, а также температуре. Данные показатели были выбраны как наиболее коррелируемые с трендом потребления лекарственных препаратов.</a:t>
+            </a:r>
+            <a:r>
+              <a:rPr lang="en-US" dirty="0"/>
+              <a:t> </a:t>
+            </a:r>
+            <a:r>
+              <a:rPr lang="ru-RU" dirty="0"/>
+              <a:t>При этом поскольку мы предсказываем на два месяца, то фактор заражаемости в конкретный месяц </a:t>
+            </a:r>
+            <a:r>
+              <a:rPr lang="ru-RU" dirty="0" err="1"/>
+              <a:t>равенпредыдущему</a:t>
+            </a:r>
+            <a:r>
+              <a:rPr lang="ru-RU" dirty="0"/>
+              <a:t> через один месяцу (к примеру, для августа это июнь, для мая – март).</a:t>
             </a:r>
           </a:p>
         </p:txBody>
@@ -11361,209 +11385,6 @@
       </p:sp>
       <p:sp>
         <p:nvSpPr>
-          <p:cNvPr id="8" name="Текст 2">
-            <a:extLst>
-              <a:ext uri="{FF2B5EF4-FFF2-40B4-BE49-F238E27FC236}">
-                <a16:creationId xmlns:a16="http://schemas.microsoft.com/office/drawing/2014/main" id="{FAB31EF2-F797-4DB1-B158-301D2C361F9A}"/>
-              </a:ext>
-            </a:extLst>
-          </p:cNvPr>
-          <p:cNvSpPr txBox="1">
-            <a:spLocks/>
-          </p:cNvSpPr>
-          <p:nvPr/>
-        </p:nvSpPr>
-        <p:spPr>
-          <a:xfrm>
-            <a:off x="7632478" y="2313210"/>
-            <a:ext cx="9082798" cy="4573024"/>
-          </a:xfrm>
-          <a:prstGeom prst="rect">
-            <a:avLst/>
-          </a:prstGeom>
-        </p:spPr>
-        <p:txBody>
-          <a:bodyPr vert="horz" lIns="91440" tIns="45720" rIns="91440" bIns="45720" rtlCol="0">
-            <a:normAutofit/>
-          </a:bodyPr>
-          <a:lstStyle>
-            <a:lvl1pPr marL="0" indent="0" algn="l" defTabSz="914400" rtl="0" eaLnBrk="1" latinLnBrk="0" hangingPunct="1">
-              <a:lnSpc>
-                <a:spcPct val="90000"/>
-              </a:lnSpc>
-              <a:spcBef>
-                <a:spcPts val="1000"/>
-              </a:spcBef>
-              <a:buFont typeface="Arial" panose="020B0604020202020204" pitchFamily="34" charset="0"/>
-              <a:buNone/>
-              <a:defRPr sz="2800" kern="1200">
-                <a:solidFill>
-                  <a:schemeClr val="accent1"/>
-                </a:solidFill>
-                <a:latin typeface="+mn-lt"/>
-                <a:ea typeface="+mn-ea"/>
-                <a:cs typeface="+mn-cs"/>
-              </a:defRPr>
-            </a:lvl1pPr>
-            <a:lvl2pPr marL="457200" indent="0" algn="l" defTabSz="914400" rtl="0" eaLnBrk="1" latinLnBrk="0" hangingPunct="1">
-              <a:lnSpc>
-                <a:spcPct val="90000"/>
-              </a:lnSpc>
-              <a:spcBef>
-                <a:spcPts val="500"/>
-              </a:spcBef>
-              <a:buFont typeface="Arial" panose="020B0604020202020204" pitchFamily="34" charset="0"/>
-              <a:buNone/>
-              <a:defRPr sz="2400" kern="1200">
-                <a:solidFill>
-                  <a:schemeClr val="accent1"/>
-                </a:solidFill>
-                <a:latin typeface="+mn-lt"/>
-                <a:ea typeface="+mn-ea"/>
-                <a:cs typeface="+mn-cs"/>
-              </a:defRPr>
-            </a:lvl2pPr>
-            <a:lvl3pPr marL="914400" indent="0" algn="l" defTabSz="914400" rtl="0" eaLnBrk="1" latinLnBrk="0" hangingPunct="1">
-              <a:lnSpc>
-                <a:spcPct val="90000"/>
-              </a:lnSpc>
-              <a:spcBef>
-                <a:spcPts val="500"/>
-              </a:spcBef>
-              <a:buFont typeface="Arial" panose="020B0604020202020204" pitchFamily="34" charset="0"/>
-              <a:buNone/>
-              <a:defRPr sz="2000" kern="1200">
-                <a:solidFill>
-                  <a:schemeClr val="accent1"/>
-                </a:solidFill>
-                <a:latin typeface="+mn-lt"/>
-                <a:ea typeface="+mn-ea"/>
-                <a:cs typeface="+mn-cs"/>
-              </a:defRPr>
-            </a:lvl3pPr>
-            <a:lvl4pPr marL="1371600" indent="0" algn="l" defTabSz="914400" rtl="0" eaLnBrk="1" latinLnBrk="0" hangingPunct="1">
-              <a:lnSpc>
-                <a:spcPct val="90000"/>
-              </a:lnSpc>
-              <a:spcBef>
-                <a:spcPts val="500"/>
-              </a:spcBef>
-              <a:buFont typeface="Arial" panose="020B0604020202020204" pitchFamily="34" charset="0"/>
-              <a:buNone/>
-              <a:defRPr sz="1800" kern="1200">
-                <a:solidFill>
-                  <a:schemeClr val="accent1"/>
-                </a:solidFill>
-                <a:latin typeface="+mn-lt"/>
-                <a:ea typeface="+mn-ea"/>
-                <a:cs typeface="+mn-cs"/>
-              </a:defRPr>
-            </a:lvl4pPr>
-            <a:lvl5pPr marL="1828800" indent="0" algn="l" defTabSz="914400" rtl="0" eaLnBrk="1" latinLnBrk="0" hangingPunct="1">
-              <a:lnSpc>
-                <a:spcPct val="90000"/>
-              </a:lnSpc>
-              <a:spcBef>
-                <a:spcPts val="500"/>
-              </a:spcBef>
-              <a:buFont typeface="Arial" panose="020B0604020202020204" pitchFamily="34" charset="0"/>
-              <a:buNone/>
-              <a:defRPr sz="1800" kern="1200">
-                <a:solidFill>
-                  <a:schemeClr val="accent1"/>
-                </a:solidFill>
-                <a:latin typeface="+mn-lt"/>
-                <a:ea typeface="+mn-ea"/>
-                <a:cs typeface="+mn-cs"/>
-              </a:defRPr>
-            </a:lvl5pPr>
-            <a:lvl6pPr marL="2514600" indent="-228600" algn="l" defTabSz="914400" rtl="0" eaLnBrk="1" latinLnBrk="0" hangingPunct="1">
-              <a:lnSpc>
-                <a:spcPct val="90000"/>
-              </a:lnSpc>
-              <a:spcBef>
-                <a:spcPts val="500"/>
-              </a:spcBef>
-              <a:buFont typeface="Arial" panose="020B0604020202020204" pitchFamily="34" charset="0"/>
-              <a:buChar char="•"/>
-              <a:defRPr sz="1800" kern="1200">
-                <a:solidFill>
-                  <a:schemeClr val="tx1"/>
-                </a:solidFill>
-                <a:latin typeface="+mn-lt"/>
-                <a:ea typeface="+mn-ea"/>
-                <a:cs typeface="+mn-cs"/>
-              </a:defRPr>
-            </a:lvl6pPr>
-            <a:lvl7pPr marL="2971800" indent="-228600" algn="l" defTabSz="914400" rtl="0" eaLnBrk="1" latinLnBrk="0" hangingPunct="1">
-              <a:lnSpc>
-                <a:spcPct val="90000"/>
-              </a:lnSpc>
-              <a:spcBef>
-                <a:spcPts val="500"/>
-              </a:spcBef>
-              <a:buFont typeface="Arial" panose="020B0604020202020204" pitchFamily="34" charset="0"/>
-              <a:buChar char="•"/>
-              <a:defRPr sz="1800" kern="1200">
-                <a:solidFill>
-                  <a:schemeClr val="tx1"/>
-                </a:solidFill>
-                <a:latin typeface="+mn-lt"/>
-                <a:ea typeface="+mn-ea"/>
-                <a:cs typeface="+mn-cs"/>
-              </a:defRPr>
-            </a:lvl7pPr>
-            <a:lvl8pPr marL="3429000" indent="-228600" algn="l" defTabSz="914400" rtl="0" eaLnBrk="1" latinLnBrk="0" hangingPunct="1">
-              <a:lnSpc>
-                <a:spcPct val="90000"/>
-              </a:lnSpc>
-              <a:spcBef>
-                <a:spcPts val="500"/>
-              </a:spcBef>
-              <a:buFont typeface="Arial" panose="020B0604020202020204" pitchFamily="34" charset="0"/>
-              <a:buChar char="•"/>
-              <a:defRPr sz="1800" kern="1200">
-                <a:solidFill>
-                  <a:schemeClr val="tx1"/>
-                </a:solidFill>
-                <a:latin typeface="+mn-lt"/>
-                <a:ea typeface="+mn-ea"/>
-                <a:cs typeface="+mn-cs"/>
-              </a:defRPr>
-            </a:lvl8pPr>
-            <a:lvl9pPr marL="3886200" indent="-228600" algn="l" defTabSz="914400" rtl="0" eaLnBrk="1" latinLnBrk="0" hangingPunct="1">
-              <a:lnSpc>
-                <a:spcPct val="90000"/>
-              </a:lnSpc>
-              <a:spcBef>
-                <a:spcPts val="500"/>
-              </a:spcBef>
-              <a:buFont typeface="Arial" panose="020B0604020202020204" pitchFamily="34" charset="0"/>
-              <a:buChar char="•"/>
-              <a:defRPr sz="1800" kern="1200">
-                <a:solidFill>
-                  <a:schemeClr val="tx1"/>
-                </a:solidFill>
-                <a:latin typeface="+mn-lt"/>
-                <a:ea typeface="+mn-ea"/>
-                <a:cs typeface="+mn-cs"/>
-              </a:defRPr>
-            </a:lvl9pPr>
-          </a:lstStyle>
-          <a:p>
-            <a:pPr>
-              <a:lnSpc>
-                <a:spcPct val="145000"/>
-              </a:lnSpc>
-            </a:pPr>
-            <a:endParaRPr lang="ru-RU" sz="2000" dirty="0">
-              <a:latin typeface="Raleway Light" pitchFamily="2" charset="-52"/>
-            </a:endParaRPr>
-          </a:p>
-        </p:txBody>
-      </p:sp>
-      <p:sp>
-        <p:nvSpPr>
           <p:cNvPr id="7" name="TextBox 6">
             <a:extLst>
               <a:ext uri="{FF2B5EF4-FFF2-40B4-BE49-F238E27FC236}">
@@ -12044,7 +11865,7 @@
               <a:rPr lang="ru-RU" sz="2400" dirty="0">
                 <a:latin typeface="Raleway Light" pitchFamily="2" charset="-52"/>
               </a:rPr>
-              <a:t>, интерпретируемость</a:t>
+              <a:t>, интерпретируемость, прогноз на 2 месяца</a:t>
             </a:r>
           </a:p>
         </p:txBody>
